--- a/journalSwarmControl/pictures/Unusedpdf/TransferRegions.pptx
+++ b/journalSwarmControl/pictures/Unusedpdf/TransferRegions.pptx
@@ -2,7 +2,7 @@
 <file path=ppt/presentation.xml><?xml version="1.0" encoding="utf-8"?>
 <p:presentation xmlns:a="http://schemas.openxmlformats.org/drawingml/2006/main" xmlns:r="http://schemas.openxmlformats.org/officeDocument/2006/relationships" xmlns:p="http://schemas.openxmlformats.org/presentationml/2006/main" saveSubsetFonts="1">
   <p:sldMasterIdLst>
-    <p:sldMasterId id="2147483768" r:id="rId1"/>
+    <p:sldMasterId id="2147483780" r:id="rId1"/>
   </p:sldMasterIdLst>
   <p:notesMasterIdLst>
     <p:notesMasterId r:id="rId3"/>
@@ -10,7 +10,7 @@
   <p:sldIdLst>
     <p:sldId id="257" r:id="rId2"/>
   </p:sldIdLst>
-  <p:sldSz cx="6308725" cy="5761038"/>
+  <p:sldSz cx="6858000" cy="5761038"/>
   <p:notesSz cx="6858000" cy="9144000"/>
   <p:defaultTextStyle>
     <a:defPPr>
@@ -115,7 +115,7 @@
             <a:srgbClr val="A4A3A4"/>
           </p15:clr>
         </p15:guide>
-        <p15:guide id="2" pos="1988" userDrawn="1">
+        <p15:guide id="2" pos="2161" userDrawn="1">
           <p15:clr>
             <a:srgbClr val="A4A3A4"/>
           </p15:clr>
@@ -208,7 +208,7 @@
           <a:p>
             <a:fld id="{F91B157D-5D23-4C2B-820D-CCD9AF780C09}" type="datetimeFigureOut">
               <a:rPr lang="en-US" smtClean="0"/>
-              <a:t>8/2/2016</a:t>
+              <a:t>10/3/17</a:t>
             </a:fld>
             <a:endParaRPr lang="en-US"/>
           </a:p>
@@ -226,8 +226,8 @@
         </p:nvSpPr>
         <p:spPr>
           <a:xfrm>
-            <a:off x="1739900" y="1143000"/>
-            <a:ext cx="3378200" cy="3086100"/>
+            <a:off x="1592263" y="1143000"/>
+            <a:ext cx="3673475" cy="3086100"/>
           </a:xfrm>
           <a:prstGeom prst="rect">
             <a:avLst/>
@@ -504,20 +504,20 @@
         </p:nvSpPr>
         <p:spPr>
           <a:xfrm>
-            <a:off x="473155" y="942837"/>
-            <a:ext cx="5362416" cy="2005695"/>
+            <a:off x="514350" y="942837"/>
+            <a:ext cx="5829300" cy="2005695"/>
           </a:xfrm>
         </p:spPr>
         <p:txBody>
           <a:bodyPr anchor="b"/>
           <a:lstStyle>
             <a:lvl1pPr algn="ctr">
-              <a:defRPr sz="4139"/>
+              <a:defRPr sz="4500"/>
             </a:lvl1pPr>
           </a:lstStyle>
           <a:p>
             <a:r>
-              <a:rPr lang="en-US"/>
+              <a:rPr lang="en-US" smtClean="0"/>
               <a:t>Click to edit Master title style</a:t>
             </a:r>
             <a:endParaRPr lang="en-US" dirty="0"/>
@@ -536,8 +536,8 @@
         </p:nvSpPr>
         <p:spPr>
           <a:xfrm>
-            <a:off x="788591" y="3025879"/>
-            <a:ext cx="4731544" cy="1390917"/>
+            <a:off x="857250" y="3025879"/>
+            <a:ext cx="5143500" cy="1390917"/>
           </a:xfrm>
         </p:spPr>
         <p:txBody>
@@ -545,44 +545,44 @@
           <a:lstStyle>
             <a:lvl1pPr marL="0" indent="0" algn="ctr">
               <a:buNone/>
-              <a:defRPr sz="1656"/>
+              <a:defRPr sz="1800"/>
             </a:lvl1pPr>
-            <a:lvl2pPr marL="315422" indent="0" algn="ctr">
-              <a:buNone/>
-              <a:defRPr sz="1380"/>
+            <a:lvl2pPr marL="342900" indent="0" algn="ctr">
+              <a:buNone/>
+              <a:defRPr sz="1500"/>
             </a:lvl2pPr>
-            <a:lvl3pPr marL="630845" indent="0" algn="ctr">
-              <a:buNone/>
-              <a:defRPr sz="1242"/>
+            <a:lvl3pPr marL="685800" indent="0" algn="ctr">
+              <a:buNone/>
+              <a:defRPr sz="1350"/>
             </a:lvl3pPr>
-            <a:lvl4pPr marL="946267" indent="0" algn="ctr">
-              <a:buNone/>
-              <a:defRPr sz="1104"/>
+            <a:lvl4pPr marL="1028700" indent="0" algn="ctr">
+              <a:buNone/>
+              <a:defRPr sz="1200"/>
             </a:lvl4pPr>
-            <a:lvl5pPr marL="1261689" indent="0" algn="ctr">
-              <a:buNone/>
-              <a:defRPr sz="1104"/>
+            <a:lvl5pPr marL="1371600" indent="0" algn="ctr">
+              <a:buNone/>
+              <a:defRPr sz="1200"/>
             </a:lvl5pPr>
-            <a:lvl6pPr marL="1577111" indent="0" algn="ctr">
-              <a:buNone/>
-              <a:defRPr sz="1104"/>
+            <a:lvl6pPr marL="1714500" indent="0" algn="ctr">
+              <a:buNone/>
+              <a:defRPr sz="1200"/>
             </a:lvl6pPr>
-            <a:lvl7pPr marL="1892534" indent="0" algn="ctr">
-              <a:buNone/>
-              <a:defRPr sz="1104"/>
+            <a:lvl7pPr marL="2057400" indent="0" algn="ctr">
+              <a:buNone/>
+              <a:defRPr sz="1200"/>
             </a:lvl7pPr>
-            <a:lvl8pPr marL="2207956" indent="0" algn="ctr">
-              <a:buNone/>
-              <a:defRPr sz="1104"/>
+            <a:lvl8pPr marL="2400300" indent="0" algn="ctr">
+              <a:buNone/>
+              <a:defRPr sz="1200"/>
             </a:lvl8pPr>
-            <a:lvl9pPr marL="2523378" indent="0" algn="ctr">
-              <a:buNone/>
-              <a:defRPr sz="1104"/>
+            <a:lvl9pPr marL="2743200" indent="0" algn="ctr">
+              <a:buNone/>
+              <a:defRPr sz="1200"/>
             </a:lvl9pPr>
           </a:lstStyle>
           <a:p>
             <a:r>
-              <a:rPr lang="en-US"/>
+              <a:rPr lang="en-US" smtClean="0"/>
               <a:t>Click to edit Master subtitle style</a:t>
             </a:r>
             <a:endParaRPr lang="en-US" dirty="0"/>
@@ -606,7 +606,7 @@
           <a:p>
             <a:fld id="{F7080B4D-8004-43E8-A0A5-F0C582AEB8C3}" type="datetimeFigureOut">
               <a:rPr lang="en-US" smtClean="0"/>
-              <a:t>8/2/2016</a:t>
+              <a:t>10/3/17</a:t>
             </a:fld>
             <a:endParaRPr lang="en-US"/>
           </a:p>
@@ -655,11 +655,6 @@
         </p:txBody>
       </p:sp>
     </p:spTree>
-    <p:extLst>
-      <p:ext uri="{BB962C8B-B14F-4D97-AF65-F5344CB8AC3E}">
-        <p14:creationId xmlns:p14="http://schemas.microsoft.com/office/powerpoint/2010/main" val="3538133342"/>
-      </p:ext>
-    </p:extLst>
   </p:cSld>
   <p:clrMapOvr>
     <a:masterClrMapping/>
@@ -700,7 +695,7 @@
           <a:lstStyle/>
           <a:p>
             <a:r>
-              <a:rPr lang="en-US"/>
+              <a:rPr lang="en-US" smtClean="0"/>
               <a:t>Click to edit Master title style</a:t>
             </a:r>
             <a:endParaRPr lang="en-US" dirty="0"/>
@@ -724,35 +719,35 @@
           <a:p>
             <a:pPr lvl="0"/>
             <a:r>
-              <a:rPr lang="en-US"/>
-              <a:t>Edit Master text styles</a:t>
+              <a:rPr lang="en-US" smtClean="0"/>
+              <a:t>Click to edit Master text styles</a:t>
             </a:r>
           </a:p>
           <a:p>
             <a:pPr lvl="1"/>
             <a:r>
-              <a:rPr lang="en-US"/>
+              <a:rPr lang="en-US" smtClean="0"/>
               <a:t>Second level</a:t>
             </a:r>
           </a:p>
           <a:p>
             <a:pPr lvl="2"/>
             <a:r>
-              <a:rPr lang="en-US"/>
+              <a:rPr lang="en-US" smtClean="0"/>
               <a:t>Third level</a:t>
             </a:r>
           </a:p>
           <a:p>
             <a:pPr lvl="3"/>
             <a:r>
-              <a:rPr lang="en-US"/>
+              <a:rPr lang="en-US" smtClean="0"/>
               <a:t>Fourth level</a:t>
             </a:r>
           </a:p>
           <a:p>
             <a:pPr lvl="4"/>
             <a:r>
-              <a:rPr lang="en-US"/>
+              <a:rPr lang="en-US" smtClean="0"/>
               <a:t>Fifth level</a:t>
             </a:r>
             <a:endParaRPr lang="en-US" dirty="0"/>
@@ -776,7 +771,7 @@
           <a:p>
             <a:fld id="{F7080B4D-8004-43E8-A0A5-F0C582AEB8C3}" type="datetimeFigureOut">
               <a:rPr lang="en-US" smtClean="0"/>
-              <a:t>8/2/2016</a:t>
+              <a:t>10/3/17</a:t>
             </a:fld>
             <a:endParaRPr lang="en-US"/>
           </a:p>
@@ -825,11 +820,6 @@
         </p:txBody>
       </p:sp>
     </p:spTree>
-    <p:extLst>
-      <p:ext uri="{BB962C8B-B14F-4D97-AF65-F5344CB8AC3E}">
-        <p14:creationId xmlns:p14="http://schemas.microsoft.com/office/powerpoint/2010/main" val="934268239"/>
-      </p:ext>
-    </p:extLst>
   </p:cSld>
   <p:clrMapOvr>
     <a:masterClrMapping/>
@@ -866,8 +856,8 @@
         </p:nvSpPr>
         <p:spPr>
           <a:xfrm>
-            <a:off x="4514682" y="306722"/>
-            <a:ext cx="1360319" cy="4882213"/>
+            <a:off x="4907757" y="306722"/>
+            <a:ext cx="1478756" cy="4882213"/>
           </a:xfrm>
         </p:spPr>
         <p:txBody>
@@ -875,7 +865,7 @@
           <a:lstStyle/>
           <a:p>
             <a:r>
-              <a:rPr lang="en-US"/>
+              <a:rPr lang="en-US" smtClean="0"/>
               <a:t>Click to edit Master title style</a:t>
             </a:r>
             <a:endParaRPr lang="en-US" dirty="0"/>
@@ -894,8 +884,8 @@
         </p:nvSpPr>
         <p:spPr>
           <a:xfrm>
-            <a:off x="433725" y="306722"/>
-            <a:ext cx="4002097" cy="4882213"/>
+            <a:off x="471488" y="306722"/>
+            <a:ext cx="4350544" cy="4882213"/>
           </a:xfrm>
         </p:spPr>
         <p:txBody>
@@ -904,35 +894,35 @@
           <a:p>
             <a:pPr lvl="0"/>
             <a:r>
-              <a:rPr lang="en-US"/>
-              <a:t>Edit Master text styles</a:t>
+              <a:rPr lang="en-US" smtClean="0"/>
+              <a:t>Click to edit Master text styles</a:t>
             </a:r>
           </a:p>
           <a:p>
             <a:pPr lvl="1"/>
             <a:r>
-              <a:rPr lang="en-US"/>
+              <a:rPr lang="en-US" smtClean="0"/>
               <a:t>Second level</a:t>
             </a:r>
           </a:p>
           <a:p>
             <a:pPr lvl="2"/>
             <a:r>
-              <a:rPr lang="en-US"/>
+              <a:rPr lang="en-US" smtClean="0"/>
               <a:t>Third level</a:t>
             </a:r>
           </a:p>
           <a:p>
             <a:pPr lvl="3"/>
             <a:r>
-              <a:rPr lang="en-US"/>
+              <a:rPr lang="en-US" smtClean="0"/>
               <a:t>Fourth level</a:t>
             </a:r>
           </a:p>
           <a:p>
             <a:pPr lvl="4"/>
             <a:r>
-              <a:rPr lang="en-US"/>
+              <a:rPr lang="en-US" smtClean="0"/>
               <a:t>Fifth level</a:t>
             </a:r>
             <a:endParaRPr lang="en-US" dirty="0"/>
@@ -956,7 +946,7 @@
           <a:p>
             <a:fld id="{F7080B4D-8004-43E8-A0A5-F0C582AEB8C3}" type="datetimeFigureOut">
               <a:rPr lang="en-US" smtClean="0"/>
-              <a:t>8/2/2016</a:t>
+              <a:t>10/3/17</a:t>
             </a:fld>
             <a:endParaRPr lang="en-US"/>
           </a:p>
@@ -1005,11 +995,6 @@
         </p:txBody>
       </p:sp>
     </p:spTree>
-    <p:extLst>
-      <p:ext uri="{BB962C8B-B14F-4D97-AF65-F5344CB8AC3E}">
-        <p14:creationId xmlns:p14="http://schemas.microsoft.com/office/powerpoint/2010/main" val="1291057722"/>
-      </p:ext>
-    </p:extLst>
   </p:cSld>
   <p:clrMapOvr>
     <a:masterClrMapping/>
@@ -1050,7 +1035,7 @@
           <a:lstStyle/>
           <a:p>
             <a:r>
-              <a:rPr lang="en-US"/>
+              <a:rPr lang="en-US" smtClean="0"/>
               <a:t>Click to edit Master title style</a:t>
             </a:r>
             <a:endParaRPr lang="en-US" dirty="0"/>
@@ -1074,35 +1059,35 @@
           <a:p>
             <a:pPr lvl="0"/>
             <a:r>
-              <a:rPr lang="en-US"/>
-              <a:t>Edit Master text styles</a:t>
+              <a:rPr lang="en-US" smtClean="0"/>
+              <a:t>Click to edit Master text styles</a:t>
             </a:r>
           </a:p>
           <a:p>
             <a:pPr lvl="1"/>
             <a:r>
-              <a:rPr lang="en-US"/>
+              <a:rPr lang="en-US" smtClean="0"/>
               <a:t>Second level</a:t>
             </a:r>
           </a:p>
           <a:p>
             <a:pPr lvl="2"/>
             <a:r>
-              <a:rPr lang="en-US"/>
+              <a:rPr lang="en-US" smtClean="0"/>
               <a:t>Third level</a:t>
             </a:r>
           </a:p>
           <a:p>
             <a:pPr lvl="3"/>
             <a:r>
-              <a:rPr lang="en-US"/>
+              <a:rPr lang="en-US" smtClean="0"/>
               <a:t>Fourth level</a:t>
             </a:r>
           </a:p>
           <a:p>
             <a:pPr lvl="4"/>
             <a:r>
-              <a:rPr lang="en-US"/>
+              <a:rPr lang="en-US" smtClean="0"/>
               <a:t>Fifth level</a:t>
             </a:r>
             <a:endParaRPr lang="en-US" dirty="0"/>
@@ -1126,7 +1111,7 @@
           <a:p>
             <a:fld id="{F7080B4D-8004-43E8-A0A5-F0C582AEB8C3}" type="datetimeFigureOut">
               <a:rPr lang="en-US" smtClean="0"/>
-              <a:t>8/2/2016</a:t>
+              <a:t>10/3/17</a:t>
             </a:fld>
             <a:endParaRPr lang="en-US"/>
           </a:p>
@@ -1175,11 +1160,6 @@
         </p:txBody>
       </p:sp>
     </p:spTree>
-    <p:extLst>
-      <p:ext uri="{BB962C8B-B14F-4D97-AF65-F5344CB8AC3E}">
-        <p14:creationId xmlns:p14="http://schemas.microsoft.com/office/powerpoint/2010/main" val="1247432726"/>
-      </p:ext>
-    </p:extLst>
   </p:cSld>
   <p:clrMapOvr>
     <a:masterClrMapping/>
@@ -1216,20 +1196,20 @@
         </p:nvSpPr>
         <p:spPr>
           <a:xfrm>
-            <a:off x="430440" y="1436261"/>
-            <a:ext cx="5441275" cy="2396431"/>
+            <a:off x="467916" y="1436261"/>
+            <a:ext cx="5915025" cy="2396431"/>
           </a:xfrm>
         </p:spPr>
         <p:txBody>
           <a:bodyPr anchor="b"/>
           <a:lstStyle>
             <a:lvl1pPr>
-              <a:defRPr sz="4139"/>
+              <a:defRPr sz="4500"/>
             </a:lvl1pPr>
           </a:lstStyle>
           <a:p>
             <a:r>
-              <a:rPr lang="en-US"/>
+              <a:rPr lang="en-US" smtClean="0"/>
               <a:t>Click to edit Master title style</a:t>
             </a:r>
             <a:endParaRPr lang="en-US" dirty="0"/>
@@ -1248,8 +1228,8 @@
         </p:nvSpPr>
         <p:spPr>
           <a:xfrm>
-            <a:off x="430440" y="3855363"/>
-            <a:ext cx="5441275" cy="1260227"/>
+            <a:off x="467916" y="3855363"/>
+            <a:ext cx="5915025" cy="1260227"/>
           </a:xfrm>
         </p:spPr>
         <p:txBody>
@@ -1257,15 +1237,15 @@
           <a:lstStyle>
             <a:lvl1pPr marL="0" indent="0">
               <a:buNone/>
-              <a:defRPr sz="1656">
+              <a:defRPr sz="1800">
                 <a:solidFill>
                   <a:schemeClr val="tx1"/>
                 </a:solidFill>
               </a:defRPr>
             </a:lvl1pPr>
-            <a:lvl2pPr marL="315422" indent="0">
-              <a:buNone/>
-              <a:defRPr sz="1380">
+            <a:lvl2pPr marL="342900" indent="0">
+              <a:buNone/>
+              <a:defRPr sz="1500">
                 <a:solidFill>
                   <a:schemeClr val="tx1">
                     <a:tint val="75000"/>
@@ -1273,9 +1253,9 @@
                 </a:solidFill>
               </a:defRPr>
             </a:lvl2pPr>
-            <a:lvl3pPr marL="630845" indent="0">
-              <a:buNone/>
-              <a:defRPr sz="1242">
+            <a:lvl3pPr marL="685800" indent="0">
+              <a:buNone/>
+              <a:defRPr sz="1350">
                 <a:solidFill>
                   <a:schemeClr val="tx1">
                     <a:tint val="75000"/>
@@ -1283,9 +1263,9 @@
                 </a:solidFill>
               </a:defRPr>
             </a:lvl3pPr>
-            <a:lvl4pPr marL="946267" indent="0">
-              <a:buNone/>
-              <a:defRPr sz="1104">
+            <a:lvl4pPr marL="1028700" indent="0">
+              <a:buNone/>
+              <a:defRPr sz="1200">
                 <a:solidFill>
                   <a:schemeClr val="tx1">
                     <a:tint val="75000"/>
@@ -1293,9 +1273,9 @@
                 </a:solidFill>
               </a:defRPr>
             </a:lvl4pPr>
-            <a:lvl5pPr marL="1261689" indent="0">
-              <a:buNone/>
-              <a:defRPr sz="1104">
+            <a:lvl5pPr marL="1371600" indent="0">
+              <a:buNone/>
+              <a:defRPr sz="1200">
                 <a:solidFill>
                   <a:schemeClr val="tx1">
                     <a:tint val="75000"/>
@@ -1303,9 +1283,9 @@
                 </a:solidFill>
               </a:defRPr>
             </a:lvl5pPr>
-            <a:lvl6pPr marL="1577111" indent="0">
-              <a:buNone/>
-              <a:defRPr sz="1104">
+            <a:lvl6pPr marL="1714500" indent="0">
+              <a:buNone/>
+              <a:defRPr sz="1200">
                 <a:solidFill>
                   <a:schemeClr val="tx1">
                     <a:tint val="75000"/>
@@ -1313,9 +1293,9 @@
                 </a:solidFill>
               </a:defRPr>
             </a:lvl6pPr>
-            <a:lvl7pPr marL="1892534" indent="0">
-              <a:buNone/>
-              <a:defRPr sz="1104">
+            <a:lvl7pPr marL="2057400" indent="0">
+              <a:buNone/>
+              <a:defRPr sz="1200">
                 <a:solidFill>
                   <a:schemeClr val="tx1">
                     <a:tint val="75000"/>
@@ -1323,9 +1303,9 @@
                 </a:solidFill>
               </a:defRPr>
             </a:lvl7pPr>
-            <a:lvl8pPr marL="2207956" indent="0">
-              <a:buNone/>
-              <a:defRPr sz="1104">
+            <a:lvl8pPr marL="2400300" indent="0">
+              <a:buNone/>
+              <a:defRPr sz="1200">
                 <a:solidFill>
                   <a:schemeClr val="tx1">
                     <a:tint val="75000"/>
@@ -1333,9 +1313,9 @@
                 </a:solidFill>
               </a:defRPr>
             </a:lvl8pPr>
-            <a:lvl9pPr marL="2523378" indent="0">
-              <a:buNone/>
-              <a:defRPr sz="1104">
+            <a:lvl9pPr marL="2743200" indent="0">
+              <a:buNone/>
+              <a:defRPr sz="1200">
                 <a:solidFill>
                   <a:schemeClr val="tx1">
                     <a:tint val="75000"/>
@@ -1347,8 +1327,8 @@
           <a:p>
             <a:pPr lvl="0"/>
             <a:r>
-              <a:rPr lang="en-US"/>
-              <a:t>Edit Master text styles</a:t>
+              <a:rPr lang="en-US" smtClean="0"/>
+              <a:t>Click to edit Master text styles</a:t>
             </a:r>
           </a:p>
         </p:txBody>
@@ -1370,7 +1350,7 @@
           <a:p>
             <a:fld id="{F7080B4D-8004-43E8-A0A5-F0C582AEB8C3}" type="datetimeFigureOut">
               <a:rPr lang="en-US" smtClean="0"/>
-              <a:t>8/2/2016</a:t>
+              <a:t>10/3/17</a:t>
             </a:fld>
             <a:endParaRPr lang="en-US"/>
           </a:p>
@@ -1419,11 +1399,6 @@
         </p:txBody>
       </p:sp>
     </p:spTree>
-    <p:extLst>
-      <p:ext uri="{BB962C8B-B14F-4D97-AF65-F5344CB8AC3E}">
-        <p14:creationId xmlns:p14="http://schemas.microsoft.com/office/powerpoint/2010/main" val="1376485961"/>
-      </p:ext>
-    </p:extLst>
   </p:cSld>
   <p:clrMapOvr>
     <a:masterClrMapping/>
@@ -1464,7 +1439,7 @@
           <a:lstStyle/>
           <a:p>
             <a:r>
-              <a:rPr lang="en-US"/>
+              <a:rPr lang="en-US" smtClean="0"/>
               <a:t>Click to edit Master title style</a:t>
             </a:r>
             <a:endParaRPr lang="en-US" dirty="0"/>
@@ -1483,8 +1458,8 @@
         </p:nvSpPr>
         <p:spPr>
           <a:xfrm>
-            <a:off x="433725" y="1533609"/>
-            <a:ext cx="2681208" cy="3655326"/>
+            <a:off x="471488" y="1533609"/>
+            <a:ext cx="2914650" cy="3655326"/>
           </a:xfrm>
         </p:spPr>
         <p:txBody>
@@ -1493,35 +1468,35 @@
           <a:p>
             <a:pPr lvl="0"/>
             <a:r>
-              <a:rPr lang="en-US"/>
-              <a:t>Edit Master text styles</a:t>
+              <a:rPr lang="en-US" smtClean="0"/>
+              <a:t>Click to edit Master text styles</a:t>
             </a:r>
           </a:p>
           <a:p>
             <a:pPr lvl="1"/>
             <a:r>
-              <a:rPr lang="en-US"/>
+              <a:rPr lang="en-US" smtClean="0"/>
               <a:t>Second level</a:t>
             </a:r>
           </a:p>
           <a:p>
             <a:pPr lvl="2"/>
             <a:r>
-              <a:rPr lang="en-US"/>
+              <a:rPr lang="en-US" smtClean="0"/>
               <a:t>Third level</a:t>
             </a:r>
           </a:p>
           <a:p>
             <a:pPr lvl="3"/>
             <a:r>
-              <a:rPr lang="en-US"/>
+              <a:rPr lang="en-US" smtClean="0"/>
               <a:t>Fourth level</a:t>
             </a:r>
           </a:p>
           <a:p>
             <a:pPr lvl="4"/>
             <a:r>
-              <a:rPr lang="en-US"/>
+              <a:rPr lang="en-US" smtClean="0"/>
               <a:t>Fifth level</a:t>
             </a:r>
             <a:endParaRPr lang="en-US" dirty="0"/>
@@ -1540,8 +1515,8 @@
         </p:nvSpPr>
         <p:spPr>
           <a:xfrm>
-            <a:off x="3193792" y="1533609"/>
-            <a:ext cx="2681208" cy="3655326"/>
+            <a:off x="3471863" y="1533609"/>
+            <a:ext cx="2914650" cy="3655326"/>
           </a:xfrm>
         </p:spPr>
         <p:txBody>
@@ -1550,35 +1525,35 @@
           <a:p>
             <a:pPr lvl="0"/>
             <a:r>
-              <a:rPr lang="en-US"/>
-              <a:t>Edit Master text styles</a:t>
+              <a:rPr lang="en-US" smtClean="0"/>
+              <a:t>Click to edit Master text styles</a:t>
             </a:r>
           </a:p>
           <a:p>
             <a:pPr lvl="1"/>
             <a:r>
-              <a:rPr lang="en-US"/>
+              <a:rPr lang="en-US" smtClean="0"/>
               <a:t>Second level</a:t>
             </a:r>
           </a:p>
           <a:p>
             <a:pPr lvl="2"/>
             <a:r>
-              <a:rPr lang="en-US"/>
+              <a:rPr lang="en-US" smtClean="0"/>
               <a:t>Third level</a:t>
             </a:r>
           </a:p>
           <a:p>
             <a:pPr lvl="3"/>
             <a:r>
-              <a:rPr lang="en-US"/>
+              <a:rPr lang="en-US" smtClean="0"/>
               <a:t>Fourth level</a:t>
             </a:r>
           </a:p>
           <a:p>
             <a:pPr lvl="4"/>
             <a:r>
-              <a:rPr lang="en-US"/>
+              <a:rPr lang="en-US" smtClean="0"/>
               <a:t>Fifth level</a:t>
             </a:r>
             <a:endParaRPr lang="en-US" dirty="0"/>
@@ -1602,7 +1577,7 @@
           <a:p>
             <a:fld id="{F7080B4D-8004-43E8-A0A5-F0C582AEB8C3}" type="datetimeFigureOut">
               <a:rPr lang="en-US" smtClean="0"/>
-              <a:t>8/2/2016</a:t>
+              <a:t>10/3/17</a:t>
             </a:fld>
             <a:endParaRPr lang="en-US"/>
           </a:p>
@@ -1651,11 +1626,6 @@
         </p:txBody>
       </p:sp>
     </p:spTree>
-    <p:extLst>
-      <p:ext uri="{BB962C8B-B14F-4D97-AF65-F5344CB8AC3E}">
-        <p14:creationId xmlns:p14="http://schemas.microsoft.com/office/powerpoint/2010/main" val="1491836853"/>
-      </p:ext>
-    </p:extLst>
   </p:cSld>
   <p:clrMapOvr>
     <a:masterClrMapping/>
@@ -1692,8 +1662,8 @@
         </p:nvSpPr>
         <p:spPr>
           <a:xfrm>
-            <a:off x="434547" y="306723"/>
-            <a:ext cx="5441275" cy="1113534"/>
+            <a:off x="472381" y="306723"/>
+            <a:ext cx="5915025" cy="1113534"/>
           </a:xfrm>
         </p:spPr>
         <p:txBody>
@@ -1701,7 +1671,7 @@
           <a:lstStyle/>
           <a:p>
             <a:r>
-              <a:rPr lang="en-US"/>
+              <a:rPr lang="en-US" smtClean="0"/>
               <a:t>Click to edit Master title style</a:t>
             </a:r>
             <a:endParaRPr lang="en-US" dirty="0"/>
@@ -1720,8 +1690,8 @@
         </p:nvSpPr>
         <p:spPr>
           <a:xfrm>
-            <a:off x="434547" y="1412255"/>
-            <a:ext cx="2668886" cy="692124"/>
+            <a:off x="472381" y="1412255"/>
+            <a:ext cx="2901255" cy="692124"/>
           </a:xfrm>
         </p:spPr>
         <p:txBody>
@@ -1729,46 +1699,46 @@
           <a:lstStyle>
             <a:lvl1pPr marL="0" indent="0">
               <a:buNone/>
-              <a:defRPr sz="1656" b="1"/>
+              <a:defRPr sz="1800" b="1"/>
             </a:lvl1pPr>
-            <a:lvl2pPr marL="315422" indent="0">
-              <a:buNone/>
-              <a:defRPr sz="1380" b="1"/>
+            <a:lvl2pPr marL="342900" indent="0">
+              <a:buNone/>
+              <a:defRPr sz="1500" b="1"/>
             </a:lvl2pPr>
-            <a:lvl3pPr marL="630845" indent="0">
-              <a:buNone/>
-              <a:defRPr sz="1242" b="1"/>
+            <a:lvl3pPr marL="685800" indent="0">
+              <a:buNone/>
+              <a:defRPr sz="1350" b="1"/>
             </a:lvl3pPr>
-            <a:lvl4pPr marL="946267" indent="0">
-              <a:buNone/>
-              <a:defRPr sz="1104" b="1"/>
+            <a:lvl4pPr marL="1028700" indent="0">
+              <a:buNone/>
+              <a:defRPr sz="1200" b="1"/>
             </a:lvl4pPr>
-            <a:lvl5pPr marL="1261689" indent="0">
-              <a:buNone/>
-              <a:defRPr sz="1104" b="1"/>
+            <a:lvl5pPr marL="1371600" indent="0">
+              <a:buNone/>
+              <a:defRPr sz="1200" b="1"/>
             </a:lvl5pPr>
-            <a:lvl6pPr marL="1577111" indent="0">
-              <a:buNone/>
-              <a:defRPr sz="1104" b="1"/>
+            <a:lvl6pPr marL="1714500" indent="0">
+              <a:buNone/>
+              <a:defRPr sz="1200" b="1"/>
             </a:lvl6pPr>
-            <a:lvl7pPr marL="1892534" indent="0">
-              <a:buNone/>
-              <a:defRPr sz="1104" b="1"/>
+            <a:lvl7pPr marL="2057400" indent="0">
+              <a:buNone/>
+              <a:defRPr sz="1200" b="1"/>
             </a:lvl7pPr>
-            <a:lvl8pPr marL="2207956" indent="0">
-              <a:buNone/>
-              <a:defRPr sz="1104" b="1"/>
+            <a:lvl8pPr marL="2400300" indent="0">
+              <a:buNone/>
+              <a:defRPr sz="1200" b="1"/>
             </a:lvl8pPr>
-            <a:lvl9pPr marL="2523378" indent="0">
-              <a:buNone/>
-              <a:defRPr sz="1104" b="1"/>
+            <a:lvl9pPr marL="2743200" indent="0">
+              <a:buNone/>
+              <a:defRPr sz="1200" b="1"/>
             </a:lvl9pPr>
           </a:lstStyle>
           <a:p>
             <a:pPr lvl="0"/>
             <a:r>
-              <a:rPr lang="en-US"/>
-              <a:t>Edit Master text styles</a:t>
+              <a:rPr lang="en-US" smtClean="0"/>
+              <a:t>Click to edit Master text styles</a:t>
             </a:r>
           </a:p>
         </p:txBody>
@@ -1785,8 +1755,8 @@
         </p:nvSpPr>
         <p:spPr>
           <a:xfrm>
-            <a:off x="434547" y="2104379"/>
-            <a:ext cx="2668886" cy="3095225"/>
+            <a:off x="472381" y="2104379"/>
+            <a:ext cx="2901255" cy="3095225"/>
           </a:xfrm>
         </p:spPr>
         <p:txBody>
@@ -1795,35 +1765,35 @@
           <a:p>
             <a:pPr lvl="0"/>
             <a:r>
-              <a:rPr lang="en-US"/>
-              <a:t>Edit Master text styles</a:t>
+              <a:rPr lang="en-US" smtClean="0"/>
+              <a:t>Click to edit Master text styles</a:t>
             </a:r>
           </a:p>
           <a:p>
             <a:pPr lvl="1"/>
             <a:r>
-              <a:rPr lang="en-US"/>
+              <a:rPr lang="en-US" smtClean="0"/>
               <a:t>Second level</a:t>
             </a:r>
           </a:p>
           <a:p>
             <a:pPr lvl="2"/>
             <a:r>
-              <a:rPr lang="en-US"/>
+              <a:rPr lang="en-US" smtClean="0"/>
               <a:t>Third level</a:t>
             </a:r>
           </a:p>
           <a:p>
             <a:pPr lvl="3"/>
             <a:r>
-              <a:rPr lang="en-US"/>
+              <a:rPr lang="en-US" smtClean="0"/>
               <a:t>Fourth level</a:t>
             </a:r>
           </a:p>
           <a:p>
             <a:pPr lvl="4"/>
             <a:r>
-              <a:rPr lang="en-US"/>
+              <a:rPr lang="en-US" smtClean="0"/>
               <a:t>Fifth level</a:t>
             </a:r>
             <a:endParaRPr lang="en-US" dirty="0"/>
@@ -1842,8 +1812,8 @@
         </p:nvSpPr>
         <p:spPr>
           <a:xfrm>
-            <a:off x="3193792" y="1412255"/>
-            <a:ext cx="2682030" cy="692124"/>
+            <a:off x="3471863" y="1412255"/>
+            <a:ext cx="2915543" cy="692124"/>
           </a:xfrm>
         </p:spPr>
         <p:txBody>
@@ -1851,46 +1821,46 @@
           <a:lstStyle>
             <a:lvl1pPr marL="0" indent="0">
               <a:buNone/>
-              <a:defRPr sz="1656" b="1"/>
+              <a:defRPr sz="1800" b="1"/>
             </a:lvl1pPr>
-            <a:lvl2pPr marL="315422" indent="0">
-              <a:buNone/>
-              <a:defRPr sz="1380" b="1"/>
+            <a:lvl2pPr marL="342900" indent="0">
+              <a:buNone/>
+              <a:defRPr sz="1500" b="1"/>
             </a:lvl2pPr>
-            <a:lvl3pPr marL="630845" indent="0">
-              <a:buNone/>
-              <a:defRPr sz="1242" b="1"/>
+            <a:lvl3pPr marL="685800" indent="0">
+              <a:buNone/>
+              <a:defRPr sz="1350" b="1"/>
             </a:lvl3pPr>
-            <a:lvl4pPr marL="946267" indent="0">
-              <a:buNone/>
-              <a:defRPr sz="1104" b="1"/>
+            <a:lvl4pPr marL="1028700" indent="0">
+              <a:buNone/>
+              <a:defRPr sz="1200" b="1"/>
             </a:lvl4pPr>
-            <a:lvl5pPr marL="1261689" indent="0">
-              <a:buNone/>
-              <a:defRPr sz="1104" b="1"/>
+            <a:lvl5pPr marL="1371600" indent="0">
+              <a:buNone/>
+              <a:defRPr sz="1200" b="1"/>
             </a:lvl5pPr>
-            <a:lvl6pPr marL="1577111" indent="0">
-              <a:buNone/>
-              <a:defRPr sz="1104" b="1"/>
+            <a:lvl6pPr marL="1714500" indent="0">
+              <a:buNone/>
+              <a:defRPr sz="1200" b="1"/>
             </a:lvl6pPr>
-            <a:lvl7pPr marL="1892534" indent="0">
-              <a:buNone/>
-              <a:defRPr sz="1104" b="1"/>
+            <a:lvl7pPr marL="2057400" indent="0">
+              <a:buNone/>
+              <a:defRPr sz="1200" b="1"/>
             </a:lvl7pPr>
-            <a:lvl8pPr marL="2207956" indent="0">
-              <a:buNone/>
-              <a:defRPr sz="1104" b="1"/>
+            <a:lvl8pPr marL="2400300" indent="0">
+              <a:buNone/>
+              <a:defRPr sz="1200" b="1"/>
             </a:lvl8pPr>
-            <a:lvl9pPr marL="2523378" indent="0">
-              <a:buNone/>
-              <a:defRPr sz="1104" b="1"/>
+            <a:lvl9pPr marL="2743200" indent="0">
+              <a:buNone/>
+              <a:defRPr sz="1200" b="1"/>
             </a:lvl9pPr>
           </a:lstStyle>
           <a:p>
             <a:pPr lvl="0"/>
             <a:r>
-              <a:rPr lang="en-US"/>
-              <a:t>Edit Master text styles</a:t>
+              <a:rPr lang="en-US" smtClean="0"/>
+              <a:t>Click to edit Master text styles</a:t>
             </a:r>
           </a:p>
         </p:txBody>
@@ -1907,8 +1877,8 @@
         </p:nvSpPr>
         <p:spPr>
           <a:xfrm>
-            <a:off x="3193792" y="2104379"/>
-            <a:ext cx="2682030" cy="3095225"/>
+            <a:off x="3471863" y="2104379"/>
+            <a:ext cx="2915543" cy="3095225"/>
           </a:xfrm>
         </p:spPr>
         <p:txBody>
@@ -1917,35 +1887,35 @@
           <a:p>
             <a:pPr lvl="0"/>
             <a:r>
-              <a:rPr lang="en-US"/>
-              <a:t>Edit Master text styles</a:t>
+              <a:rPr lang="en-US" smtClean="0"/>
+              <a:t>Click to edit Master text styles</a:t>
             </a:r>
           </a:p>
           <a:p>
             <a:pPr lvl="1"/>
             <a:r>
-              <a:rPr lang="en-US"/>
+              <a:rPr lang="en-US" smtClean="0"/>
               <a:t>Second level</a:t>
             </a:r>
           </a:p>
           <a:p>
             <a:pPr lvl="2"/>
             <a:r>
-              <a:rPr lang="en-US"/>
+              <a:rPr lang="en-US" smtClean="0"/>
               <a:t>Third level</a:t>
             </a:r>
           </a:p>
           <a:p>
             <a:pPr lvl="3"/>
             <a:r>
-              <a:rPr lang="en-US"/>
+              <a:rPr lang="en-US" smtClean="0"/>
               <a:t>Fourth level</a:t>
             </a:r>
           </a:p>
           <a:p>
             <a:pPr lvl="4"/>
             <a:r>
-              <a:rPr lang="en-US"/>
+              <a:rPr lang="en-US" smtClean="0"/>
               <a:t>Fifth level</a:t>
             </a:r>
             <a:endParaRPr lang="en-US" dirty="0"/>
@@ -1969,7 +1939,7 @@
           <a:p>
             <a:fld id="{F7080B4D-8004-43E8-A0A5-F0C582AEB8C3}" type="datetimeFigureOut">
               <a:rPr lang="en-US" smtClean="0"/>
-              <a:t>8/2/2016</a:t>
+              <a:t>10/3/17</a:t>
             </a:fld>
             <a:endParaRPr lang="en-US"/>
           </a:p>
@@ -2018,11 +1988,6 @@
         </p:txBody>
       </p:sp>
     </p:spTree>
-    <p:extLst>
-      <p:ext uri="{BB962C8B-B14F-4D97-AF65-F5344CB8AC3E}">
-        <p14:creationId xmlns:p14="http://schemas.microsoft.com/office/powerpoint/2010/main" val="669098468"/>
-      </p:ext>
-    </p:extLst>
   </p:cSld>
   <p:clrMapOvr>
     <a:masterClrMapping/>
@@ -2063,7 +2028,7 @@
           <a:lstStyle/>
           <a:p>
             <a:r>
-              <a:rPr lang="en-US"/>
+              <a:rPr lang="en-US" smtClean="0"/>
               <a:t>Click to edit Master title style</a:t>
             </a:r>
             <a:endParaRPr lang="en-US" dirty="0"/>
@@ -2087,7 +2052,7 @@
           <a:p>
             <a:fld id="{F7080B4D-8004-43E8-A0A5-F0C582AEB8C3}" type="datetimeFigureOut">
               <a:rPr lang="en-US" smtClean="0"/>
-              <a:t>8/2/2016</a:t>
+              <a:t>10/3/17</a:t>
             </a:fld>
             <a:endParaRPr lang="en-US"/>
           </a:p>
@@ -2136,11 +2101,6 @@
         </p:txBody>
       </p:sp>
     </p:spTree>
-    <p:extLst>
-      <p:ext uri="{BB962C8B-B14F-4D97-AF65-F5344CB8AC3E}">
-        <p14:creationId xmlns:p14="http://schemas.microsoft.com/office/powerpoint/2010/main" val="2736657296"/>
-      </p:ext>
-    </p:extLst>
   </p:cSld>
   <p:clrMapOvr>
     <a:masterClrMapping/>
@@ -2182,7 +2142,7 @@
           <a:p>
             <a:fld id="{F7080B4D-8004-43E8-A0A5-F0C582AEB8C3}" type="datetimeFigureOut">
               <a:rPr lang="en-US" smtClean="0"/>
-              <a:t>8/2/2016</a:t>
+              <a:t>10/3/17</a:t>
             </a:fld>
             <a:endParaRPr lang="en-US"/>
           </a:p>
@@ -2231,11 +2191,6 @@
         </p:txBody>
       </p:sp>
     </p:spTree>
-    <p:extLst>
-      <p:ext uri="{BB962C8B-B14F-4D97-AF65-F5344CB8AC3E}">
-        <p14:creationId xmlns:p14="http://schemas.microsoft.com/office/powerpoint/2010/main" val="3239947403"/>
-      </p:ext>
-    </p:extLst>
   </p:cSld>
   <p:clrMapOvr>
     <a:masterClrMapping/>
@@ -2272,20 +2227,20 @@
         </p:nvSpPr>
         <p:spPr>
           <a:xfrm>
-            <a:off x="434547" y="384069"/>
-            <a:ext cx="2034728" cy="1344242"/>
+            <a:off x="472381" y="384069"/>
+            <a:ext cx="2211884" cy="1344242"/>
           </a:xfrm>
         </p:spPr>
         <p:txBody>
           <a:bodyPr anchor="b"/>
           <a:lstStyle>
             <a:lvl1pPr>
-              <a:defRPr sz="2208"/>
+              <a:defRPr sz="2400"/>
             </a:lvl1pPr>
           </a:lstStyle>
           <a:p>
             <a:r>
-              <a:rPr lang="en-US"/>
+              <a:rPr lang="en-US" smtClean="0"/>
               <a:t>Click to edit Master title style</a:t>
             </a:r>
             <a:endParaRPr lang="en-US" dirty="0"/>
@@ -2304,73 +2259,73 @@
         </p:nvSpPr>
         <p:spPr>
           <a:xfrm>
-            <a:off x="2682030" y="829484"/>
-            <a:ext cx="3193792" cy="4094071"/>
+            <a:off x="2915543" y="829484"/>
+            <a:ext cx="3471863" cy="4094071"/>
           </a:xfrm>
         </p:spPr>
         <p:txBody>
           <a:bodyPr/>
           <a:lstStyle>
             <a:lvl1pPr>
-              <a:defRPr sz="2208"/>
+              <a:defRPr sz="2400"/>
             </a:lvl1pPr>
             <a:lvl2pPr>
-              <a:defRPr sz="1932"/>
+              <a:defRPr sz="2100"/>
             </a:lvl2pPr>
             <a:lvl3pPr>
-              <a:defRPr sz="1656"/>
+              <a:defRPr sz="1800"/>
             </a:lvl3pPr>
             <a:lvl4pPr>
-              <a:defRPr sz="1380"/>
+              <a:defRPr sz="1500"/>
             </a:lvl4pPr>
             <a:lvl5pPr>
-              <a:defRPr sz="1380"/>
+              <a:defRPr sz="1500"/>
             </a:lvl5pPr>
             <a:lvl6pPr>
-              <a:defRPr sz="1380"/>
+              <a:defRPr sz="1500"/>
             </a:lvl6pPr>
             <a:lvl7pPr>
-              <a:defRPr sz="1380"/>
+              <a:defRPr sz="1500"/>
             </a:lvl7pPr>
             <a:lvl8pPr>
-              <a:defRPr sz="1380"/>
+              <a:defRPr sz="1500"/>
             </a:lvl8pPr>
             <a:lvl9pPr>
-              <a:defRPr sz="1380"/>
+              <a:defRPr sz="1500"/>
             </a:lvl9pPr>
           </a:lstStyle>
           <a:p>
             <a:pPr lvl="0"/>
             <a:r>
-              <a:rPr lang="en-US"/>
-              <a:t>Edit Master text styles</a:t>
+              <a:rPr lang="en-US" smtClean="0"/>
+              <a:t>Click to edit Master text styles</a:t>
             </a:r>
           </a:p>
           <a:p>
             <a:pPr lvl="1"/>
             <a:r>
-              <a:rPr lang="en-US"/>
+              <a:rPr lang="en-US" smtClean="0"/>
               <a:t>Second level</a:t>
             </a:r>
           </a:p>
           <a:p>
             <a:pPr lvl="2"/>
             <a:r>
-              <a:rPr lang="en-US"/>
+              <a:rPr lang="en-US" smtClean="0"/>
               <a:t>Third level</a:t>
             </a:r>
           </a:p>
           <a:p>
             <a:pPr lvl="3"/>
             <a:r>
-              <a:rPr lang="en-US"/>
+              <a:rPr lang="en-US" smtClean="0"/>
               <a:t>Fourth level</a:t>
             </a:r>
           </a:p>
           <a:p>
             <a:pPr lvl="4"/>
             <a:r>
-              <a:rPr lang="en-US"/>
+              <a:rPr lang="en-US" smtClean="0"/>
               <a:t>Fifth level</a:t>
             </a:r>
             <a:endParaRPr lang="en-US" dirty="0"/>
@@ -2389,8 +2344,8 @@
         </p:nvSpPr>
         <p:spPr>
           <a:xfrm>
-            <a:off x="434547" y="1728311"/>
-            <a:ext cx="2034728" cy="3201911"/>
+            <a:off x="472381" y="1728311"/>
+            <a:ext cx="2211884" cy="3201911"/>
           </a:xfrm>
         </p:spPr>
         <p:txBody>
@@ -2398,46 +2353,46 @@
           <a:lstStyle>
             <a:lvl1pPr marL="0" indent="0">
               <a:buNone/>
-              <a:defRPr sz="1104"/>
+              <a:defRPr sz="1200"/>
             </a:lvl1pPr>
-            <a:lvl2pPr marL="315422" indent="0">
-              <a:buNone/>
-              <a:defRPr sz="966"/>
+            <a:lvl2pPr marL="342900" indent="0">
+              <a:buNone/>
+              <a:defRPr sz="1050"/>
             </a:lvl2pPr>
-            <a:lvl3pPr marL="630845" indent="0">
-              <a:buNone/>
-              <a:defRPr sz="828"/>
+            <a:lvl3pPr marL="685800" indent="0">
+              <a:buNone/>
+              <a:defRPr sz="900"/>
             </a:lvl3pPr>
-            <a:lvl4pPr marL="946267" indent="0">
-              <a:buNone/>
-              <a:defRPr sz="690"/>
+            <a:lvl4pPr marL="1028700" indent="0">
+              <a:buNone/>
+              <a:defRPr sz="750"/>
             </a:lvl4pPr>
-            <a:lvl5pPr marL="1261689" indent="0">
-              <a:buNone/>
-              <a:defRPr sz="690"/>
+            <a:lvl5pPr marL="1371600" indent="0">
+              <a:buNone/>
+              <a:defRPr sz="750"/>
             </a:lvl5pPr>
-            <a:lvl6pPr marL="1577111" indent="0">
-              <a:buNone/>
-              <a:defRPr sz="690"/>
+            <a:lvl6pPr marL="1714500" indent="0">
+              <a:buNone/>
+              <a:defRPr sz="750"/>
             </a:lvl6pPr>
-            <a:lvl7pPr marL="1892534" indent="0">
-              <a:buNone/>
-              <a:defRPr sz="690"/>
+            <a:lvl7pPr marL="2057400" indent="0">
+              <a:buNone/>
+              <a:defRPr sz="750"/>
             </a:lvl7pPr>
-            <a:lvl8pPr marL="2207956" indent="0">
-              <a:buNone/>
-              <a:defRPr sz="690"/>
+            <a:lvl8pPr marL="2400300" indent="0">
+              <a:buNone/>
+              <a:defRPr sz="750"/>
             </a:lvl8pPr>
-            <a:lvl9pPr marL="2523378" indent="0">
-              <a:buNone/>
-              <a:defRPr sz="690"/>
+            <a:lvl9pPr marL="2743200" indent="0">
+              <a:buNone/>
+              <a:defRPr sz="750"/>
             </a:lvl9pPr>
           </a:lstStyle>
           <a:p>
             <a:pPr lvl="0"/>
             <a:r>
-              <a:rPr lang="en-US"/>
-              <a:t>Edit Master text styles</a:t>
+              <a:rPr lang="en-US" smtClean="0"/>
+              <a:t>Click to edit Master text styles</a:t>
             </a:r>
           </a:p>
         </p:txBody>
@@ -2459,7 +2414,7 @@
           <a:p>
             <a:fld id="{F7080B4D-8004-43E8-A0A5-F0C582AEB8C3}" type="datetimeFigureOut">
               <a:rPr lang="en-US" smtClean="0"/>
-              <a:t>8/2/2016</a:t>
+              <a:t>10/3/17</a:t>
             </a:fld>
             <a:endParaRPr lang="en-US"/>
           </a:p>
@@ -2508,11 +2463,6 @@
         </p:txBody>
       </p:sp>
     </p:spTree>
-    <p:extLst>
-      <p:ext uri="{BB962C8B-B14F-4D97-AF65-F5344CB8AC3E}">
-        <p14:creationId xmlns:p14="http://schemas.microsoft.com/office/powerpoint/2010/main" val="2456379505"/>
-      </p:ext>
-    </p:extLst>
   </p:cSld>
   <p:clrMapOvr>
     <a:masterClrMapping/>
@@ -2549,20 +2499,20 @@
         </p:nvSpPr>
         <p:spPr>
           <a:xfrm>
-            <a:off x="434547" y="384069"/>
-            <a:ext cx="2034728" cy="1344242"/>
+            <a:off x="472381" y="384069"/>
+            <a:ext cx="2211884" cy="1344242"/>
           </a:xfrm>
         </p:spPr>
         <p:txBody>
           <a:bodyPr anchor="b"/>
           <a:lstStyle>
             <a:lvl1pPr>
-              <a:defRPr sz="2208"/>
+              <a:defRPr sz="2400"/>
             </a:lvl1pPr>
           </a:lstStyle>
           <a:p>
             <a:r>
-              <a:rPr lang="en-US"/>
+              <a:rPr lang="en-US" smtClean="0"/>
               <a:t>Click to edit Master title style</a:t>
             </a:r>
             <a:endParaRPr lang="en-US" dirty="0"/>
@@ -2581,8 +2531,8 @@
         </p:nvSpPr>
         <p:spPr>
           <a:xfrm>
-            <a:off x="2682030" y="829484"/>
-            <a:ext cx="3193792" cy="4094071"/>
+            <a:off x="2915543" y="829484"/>
+            <a:ext cx="3471863" cy="4094071"/>
           </a:xfrm>
         </p:spPr>
         <p:txBody>
@@ -2590,45 +2540,45 @@
           <a:lstStyle>
             <a:lvl1pPr marL="0" indent="0">
               <a:buNone/>
-              <a:defRPr sz="2208"/>
+              <a:defRPr sz="2400"/>
             </a:lvl1pPr>
-            <a:lvl2pPr marL="315422" indent="0">
-              <a:buNone/>
-              <a:defRPr sz="1932"/>
+            <a:lvl2pPr marL="342900" indent="0">
+              <a:buNone/>
+              <a:defRPr sz="2100"/>
             </a:lvl2pPr>
-            <a:lvl3pPr marL="630845" indent="0">
-              <a:buNone/>
-              <a:defRPr sz="1656"/>
+            <a:lvl3pPr marL="685800" indent="0">
+              <a:buNone/>
+              <a:defRPr sz="1800"/>
             </a:lvl3pPr>
-            <a:lvl4pPr marL="946267" indent="0">
-              <a:buNone/>
-              <a:defRPr sz="1380"/>
+            <a:lvl4pPr marL="1028700" indent="0">
+              <a:buNone/>
+              <a:defRPr sz="1500"/>
             </a:lvl4pPr>
-            <a:lvl5pPr marL="1261689" indent="0">
-              <a:buNone/>
-              <a:defRPr sz="1380"/>
+            <a:lvl5pPr marL="1371600" indent="0">
+              <a:buNone/>
+              <a:defRPr sz="1500"/>
             </a:lvl5pPr>
-            <a:lvl6pPr marL="1577111" indent="0">
-              <a:buNone/>
-              <a:defRPr sz="1380"/>
+            <a:lvl6pPr marL="1714500" indent="0">
+              <a:buNone/>
+              <a:defRPr sz="1500"/>
             </a:lvl6pPr>
-            <a:lvl7pPr marL="1892534" indent="0">
-              <a:buNone/>
-              <a:defRPr sz="1380"/>
+            <a:lvl7pPr marL="2057400" indent="0">
+              <a:buNone/>
+              <a:defRPr sz="1500"/>
             </a:lvl7pPr>
-            <a:lvl8pPr marL="2207956" indent="0">
-              <a:buNone/>
-              <a:defRPr sz="1380"/>
+            <a:lvl8pPr marL="2400300" indent="0">
+              <a:buNone/>
+              <a:defRPr sz="1500"/>
             </a:lvl8pPr>
-            <a:lvl9pPr marL="2523378" indent="0">
-              <a:buNone/>
-              <a:defRPr sz="1380"/>
+            <a:lvl9pPr marL="2743200" indent="0">
+              <a:buNone/>
+              <a:defRPr sz="1500"/>
             </a:lvl9pPr>
           </a:lstStyle>
           <a:p>
             <a:r>
-              <a:rPr lang="en-US"/>
-              <a:t>Click icon to add picture</a:t>
+              <a:rPr lang="en-US" smtClean="0"/>
+              <a:t>Drag picture to placeholder or click icon to add</a:t>
             </a:r>
             <a:endParaRPr lang="en-US" dirty="0"/>
           </a:p>
@@ -2646,8 +2596,8 @@
         </p:nvSpPr>
         <p:spPr>
           <a:xfrm>
-            <a:off x="434547" y="1728311"/>
-            <a:ext cx="2034728" cy="3201911"/>
+            <a:off x="472381" y="1728311"/>
+            <a:ext cx="2211884" cy="3201911"/>
           </a:xfrm>
         </p:spPr>
         <p:txBody>
@@ -2655,46 +2605,46 @@
           <a:lstStyle>
             <a:lvl1pPr marL="0" indent="0">
               <a:buNone/>
-              <a:defRPr sz="1104"/>
+              <a:defRPr sz="1200"/>
             </a:lvl1pPr>
-            <a:lvl2pPr marL="315422" indent="0">
-              <a:buNone/>
-              <a:defRPr sz="966"/>
+            <a:lvl2pPr marL="342900" indent="0">
+              <a:buNone/>
+              <a:defRPr sz="1050"/>
             </a:lvl2pPr>
-            <a:lvl3pPr marL="630845" indent="0">
-              <a:buNone/>
-              <a:defRPr sz="828"/>
+            <a:lvl3pPr marL="685800" indent="0">
+              <a:buNone/>
+              <a:defRPr sz="900"/>
             </a:lvl3pPr>
-            <a:lvl4pPr marL="946267" indent="0">
-              <a:buNone/>
-              <a:defRPr sz="690"/>
+            <a:lvl4pPr marL="1028700" indent="0">
+              <a:buNone/>
+              <a:defRPr sz="750"/>
             </a:lvl4pPr>
-            <a:lvl5pPr marL="1261689" indent="0">
-              <a:buNone/>
-              <a:defRPr sz="690"/>
+            <a:lvl5pPr marL="1371600" indent="0">
+              <a:buNone/>
+              <a:defRPr sz="750"/>
             </a:lvl5pPr>
-            <a:lvl6pPr marL="1577111" indent="0">
-              <a:buNone/>
-              <a:defRPr sz="690"/>
+            <a:lvl6pPr marL="1714500" indent="0">
+              <a:buNone/>
+              <a:defRPr sz="750"/>
             </a:lvl6pPr>
-            <a:lvl7pPr marL="1892534" indent="0">
-              <a:buNone/>
-              <a:defRPr sz="690"/>
+            <a:lvl7pPr marL="2057400" indent="0">
+              <a:buNone/>
+              <a:defRPr sz="750"/>
             </a:lvl7pPr>
-            <a:lvl8pPr marL="2207956" indent="0">
-              <a:buNone/>
-              <a:defRPr sz="690"/>
+            <a:lvl8pPr marL="2400300" indent="0">
+              <a:buNone/>
+              <a:defRPr sz="750"/>
             </a:lvl8pPr>
-            <a:lvl9pPr marL="2523378" indent="0">
-              <a:buNone/>
-              <a:defRPr sz="690"/>
+            <a:lvl9pPr marL="2743200" indent="0">
+              <a:buNone/>
+              <a:defRPr sz="750"/>
             </a:lvl9pPr>
           </a:lstStyle>
           <a:p>
             <a:pPr lvl="0"/>
             <a:r>
-              <a:rPr lang="en-US"/>
-              <a:t>Edit Master text styles</a:t>
+              <a:rPr lang="en-US" smtClean="0"/>
+              <a:t>Click to edit Master text styles</a:t>
             </a:r>
           </a:p>
         </p:txBody>
@@ -2716,7 +2666,7 @@
           <a:p>
             <a:fld id="{F7080B4D-8004-43E8-A0A5-F0C582AEB8C3}" type="datetimeFigureOut">
               <a:rPr lang="en-US" smtClean="0"/>
-              <a:t>8/2/2016</a:t>
+              <a:t>10/3/17</a:t>
             </a:fld>
             <a:endParaRPr lang="en-US"/>
           </a:p>
@@ -2765,11 +2715,6 @@
         </p:txBody>
       </p:sp>
     </p:spTree>
-    <p:extLst>
-      <p:ext uri="{BB962C8B-B14F-4D97-AF65-F5344CB8AC3E}">
-        <p14:creationId xmlns:p14="http://schemas.microsoft.com/office/powerpoint/2010/main" val="3632963175"/>
-      </p:ext>
-    </p:extLst>
   </p:cSld>
   <p:clrMapOvr>
     <a:masterClrMapping/>
@@ -2811,8 +2756,8 @@
         </p:nvSpPr>
         <p:spPr>
           <a:xfrm>
-            <a:off x="433725" y="306723"/>
-            <a:ext cx="5441275" cy="1113534"/>
+            <a:off x="471488" y="306723"/>
+            <a:ext cx="5915025" cy="1113534"/>
           </a:xfrm>
           <a:prstGeom prst="rect">
             <a:avLst/>
@@ -2825,7 +2770,7 @@
           <a:lstStyle/>
           <a:p>
             <a:r>
-              <a:rPr lang="en-US"/>
+              <a:rPr lang="en-US" smtClean="0"/>
               <a:t>Click to edit Master title style</a:t>
             </a:r>
             <a:endParaRPr lang="en-US" dirty="0"/>
@@ -2844,8 +2789,8 @@
         </p:nvSpPr>
         <p:spPr>
           <a:xfrm>
-            <a:off x="433725" y="1533609"/>
-            <a:ext cx="5441275" cy="3655326"/>
+            <a:off x="471488" y="1533609"/>
+            <a:ext cx="5915025" cy="3655326"/>
           </a:xfrm>
           <a:prstGeom prst="rect">
             <a:avLst/>
@@ -2859,35 +2804,35 @@
           <a:p>
             <a:pPr lvl="0"/>
             <a:r>
-              <a:rPr lang="en-US"/>
-              <a:t>Edit Master text styles</a:t>
+              <a:rPr lang="en-US" smtClean="0"/>
+              <a:t>Click to edit Master text styles</a:t>
             </a:r>
           </a:p>
           <a:p>
             <a:pPr lvl="1"/>
             <a:r>
-              <a:rPr lang="en-US"/>
+              <a:rPr lang="en-US" smtClean="0"/>
               <a:t>Second level</a:t>
             </a:r>
           </a:p>
           <a:p>
             <a:pPr lvl="2"/>
             <a:r>
-              <a:rPr lang="en-US"/>
+              <a:rPr lang="en-US" smtClean="0"/>
               <a:t>Third level</a:t>
             </a:r>
           </a:p>
           <a:p>
             <a:pPr lvl="3"/>
             <a:r>
-              <a:rPr lang="en-US"/>
+              <a:rPr lang="en-US" smtClean="0"/>
               <a:t>Fourth level</a:t>
             </a:r>
           </a:p>
           <a:p>
             <a:pPr lvl="4"/>
             <a:r>
-              <a:rPr lang="en-US"/>
+              <a:rPr lang="en-US" smtClean="0"/>
               <a:t>Fifth level</a:t>
             </a:r>
             <a:endParaRPr lang="en-US" dirty="0"/>
@@ -2906,8 +2851,8 @@
         </p:nvSpPr>
         <p:spPr>
           <a:xfrm>
-            <a:off x="433725" y="5339630"/>
-            <a:ext cx="1419463" cy="306722"/>
+            <a:off x="471488" y="5339630"/>
+            <a:ext cx="1543050" cy="306722"/>
           </a:xfrm>
           <a:prstGeom prst="rect">
             <a:avLst/>
@@ -2917,7 +2862,7 @@
           <a:bodyPr vert="horz" lIns="91440" tIns="45720" rIns="91440" bIns="45720" rtlCol="0" anchor="ctr"/>
           <a:lstStyle>
             <a:lvl1pPr algn="l">
-              <a:defRPr sz="828">
+              <a:defRPr sz="900">
                 <a:solidFill>
                   <a:schemeClr val="tx1">
                     <a:tint val="75000"/>
@@ -2929,7 +2874,7 @@
           <a:p>
             <a:fld id="{F7080B4D-8004-43E8-A0A5-F0C582AEB8C3}" type="datetimeFigureOut">
               <a:rPr lang="en-US" smtClean="0"/>
-              <a:t>8/2/2016</a:t>
+              <a:t>10/3/17</a:t>
             </a:fld>
             <a:endParaRPr lang="en-US"/>
           </a:p>
@@ -2947,8 +2892,8 @@
         </p:nvSpPr>
         <p:spPr>
           <a:xfrm>
-            <a:off x="2089765" y="5339630"/>
-            <a:ext cx="2129195" cy="306722"/>
+            <a:off x="2271713" y="5339630"/>
+            <a:ext cx="2314575" cy="306722"/>
           </a:xfrm>
           <a:prstGeom prst="rect">
             <a:avLst/>
@@ -2958,7 +2903,7 @@
           <a:bodyPr vert="horz" lIns="91440" tIns="45720" rIns="91440" bIns="45720" rtlCol="0" anchor="ctr"/>
           <a:lstStyle>
             <a:lvl1pPr algn="ctr">
-              <a:defRPr sz="828">
+              <a:defRPr sz="900">
                 <a:solidFill>
                   <a:schemeClr val="tx1">
                     <a:tint val="75000"/>
@@ -2984,8 +2929,8 @@
         </p:nvSpPr>
         <p:spPr>
           <a:xfrm>
-            <a:off x="4455537" y="5339630"/>
-            <a:ext cx="1419463" cy="306722"/>
+            <a:off x="4843463" y="5339630"/>
+            <a:ext cx="1543050" cy="306722"/>
           </a:xfrm>
           <a:prstGeom prst="rect">
             <a:avLst/>
@@ -2995,7 +2940,7 @@
           <a:bodyPr vert="horz" lIns="91440" tIns="45720" rIns="91440" bIns="45720" rtlCol="0" anchor="ctr"/>
           <a:lstStyle>
             <a:lvl1pPr algn="r">
-              <a:defRPr sz="828">
+              <a:defRPr sz="900">
                 <a:solidFill>
                   <a:schemeClr val="tx1">
                     <a:tint val="75000"/>
@@ -3016,27 +2961,27 @@
     </p:spTree>
     <p:extLst>
       <p:ext uri="{BB962C8B-B14F-4D97-AF65-F5344CB8AC3E}">
-        <p14:creationId xmlns:p14="http://schemas.microsoft.com/office/powerpoint/2010/main" val="2961849258"/>
+        <p14:creationId xmlns:p14="http://schemas.microsoft.com/office/powerpoint/2010/main" val="1974589178"/>
       </p:ext>
     </p:extLst>
   </p:cSld>
   <p:clrMap bg1="lt1" tx1="dk1" bg2="lt2" tx2="dk2" accent1="accent1" accent2="accent2" accent3="accent3" accent4="accent4" accent5="accent5" accent6="accent6" hlink="hlink" folHlink="folHlink"/>
   <p:sldLayoutIdLst>
-    <p:sldLayoutId id="2147483769" r:id="rId1"/>
-    <p:sldLayoutId id="2147483770" r:id="rId2"/>
-    <p:sldLayoutId id="2147483771" r:id="rId3"/>
-    <p:sldLayoutId id="2147483772" r:id="rId4"/>
-    <p:sldLayoutId id="2147483773" r:id="rId5"/>
-    <p:sldLayoutId id="2147483774" r:id="rId6"/>
-    <p:sldLayoutId id="2147483775" r:id="rId7"/>
-    <p:sldLayoutId id="2147483776" r:id="rId8"/>
-    <p:sldLayoutId id="2147483777" r:id="rId9"/>
-    <p:sldLayoutId id="2147483778" r:id="rId10"/>
-    <p:sldLayoutId id="2147483779" r:id="rId11"/>
+    <p:sldLayoutId id="2147483781" r:id="rId1"/>
+    <p:sldLayoutId id="2147483782" r:id="rId2"/>
+    <p:sldLayoutId id="2147483783" r:id="rId3"/>
+    <p:sldLayoutId id="2147483784" r:id="rId4"/>
+    <p:sldLayoutId id="2147483785" r:id="rId5"/>
+    <p:sldLayoutId id="2147483786" r:id="rId6"/>
+    <p:sldLayoutId id="2147483787" r:id="rId7"/>
+    <p:sldLayoutId id="2147483788" r:id="rId8"/>
+    <p:sldLayoutId id="2147483789" r:id="rId9"/>
+    <p:sldLayoutId id="2147483790" r:id="rId10"/>
+    <p:sldLayoutId id="2147483791" r:id="rId11"/>
   </p:sldLayoutIdLst>
   <p:txStyles>
     <p:titleStyle>
-      <a:lvl1pPr algn="l" defTabSz="630845" rtl="0" eaLnBrk="1" latinLnBrk="0" hangingPunct="1">
+      <a:lvl1pPr algn="l" defTabSz="685800" rtl="0" eaLnBrk="1" latinLnBrk="0" hangingPunct="1">
         <a:lnSpc>
           <a:spcPct val="90000"/>
         </a:lnSpc>
@@ -3044,7 +2989,7 @@
           <a:spcPct val="0"/>
         </a:spcBef>
         <a:buNone/>
-        <a:defRPr sz="3036" kern="1200">
+        <a:defRPr sz="3300" kern="1200">
           <a:solidFill>
             <a:schemeClr val="tx1"/>
           </a:solidFill>
@@ -3055,16 +3000,16 @@
       </a:lvl1pPr>
     </p:titleStyle>
     <p:bodyStyle>
-      <a:lvl1pPr marL="157711" indent="-157711" algn="l" defTabSz="630845" rtl="0" eaLnBrk="1" latinLnBrk="0" hangingPunct="1">
+      <a:lvl1pPr marL="171450" indent="-171450" algn="l" defTabSz="685800" rtl="0" eaLnBrk="1" latinLnBrk="0" hangingPunct="1">
         <a:lnSpc>
           <a:spcPct val="90000"/>
         </a:lnSpc>
         <a:spcBef>
-          <a:spcPts val="690"/>
+          <a:spcPts val="750"/>
         </a:spcBef>
         <a:buFont typeface="Arial" panose="020B0604020202020204" pitchFamily="34" charset="0"/>
         <a:buChar char="•"/>
-        <a:defRPr sz="1932" kern="1200">
+        <a:defRPr sz="2100" kern="1200">
           <a:solidFill>
             <a:schemeClr val="tx1"/>
           </a:solidFill>
@@ -3073,16 +3018,16 @@
           <a:cs typeface="+mn-cs"/>
         </a:defRPr>
       </a:lvl1pPr>
-      <a:lvl2pPr marL="473133" indent="-157711" algn="l" defTabSz="630845" rtl="0" eaLnBrk="1" latinLnBrk="0" hangingPunct="1">
+      <a:lvl2pPr marL="514350" indent="-171450" algn="l" defTabSz="685800" rtl="0" eaLnBrk="1" latinLnBrk="0" hangingPunct="1">
         <a:lnSpc>
           <a:spcPct val="90000"/>
         </a:lnSpc>
         <a:spcBef>
-          <a:spcPts val="345"/>
+          <a:spcPts val="375"/>
         </a:spcBef>
         <a:buFont typeface="Arial" panose="020B0604020202020204" pitchFamily="34" charset="0"/>
         <a:buChar char="•"/>
-        <a:defRPr sz="1656" kern="1200">
+        <a:defRPr sz="1800" kern="1200">
           <a:solidFill>
             <a:schemeClr val="tx1"/>
           </a:solidFill>
@@ -3091,16 +3036,16 @@
           <a:cs typeface="+mn-cs"/>
         </a:defRPr>
       </a:lvl2pPr>
-      <a:lvl3pPr marL="788556" indent="-157711" algn="l" defTabSz="630845" rtl="0" eaLnBrk="1" latinLnBrk="0" hangingPunct="1">
+      <a:lvl3pPr marL="857250" indent="-171450" algn="l" defTabSz="685800" rtl="0" eaLnBrk="1" latinLnBrk="0" hangingPunct="1">
         <a:lnSpc>
           <a:spcPct val="90000"/>
         </a:lnSpc>
         <a:spcBef>
-          <a:spcPts val="345"/>
+          <a:spcPts val="375"/>
         </a:spcBef>
         <a:buFont typeface="Arial" panose="020B0604020202020204" pitchFamily="34" charset="0"/>
         <a:buChar char="•"/>
-        <a:defRPr sz="1380" kern="1200">
+        <a:defRPr sz="1500" kern="1200">
           <a:solidFill>
             <a:schemeClr val="tx1"/>
           </a:solidFill>
@@ -3109,16 +3054,16 @@
           <a:cs typeface="+mn-cs"/>
         </a:defRPr>
       </a:lvl3pPr>
-      <a:lvl4pPr marL="1103978" indent="-157711" algn="l" defTabSz="630845" rtl="0" eaLnBrk="1" latinLnBrk="0" hangingPunct="1">
+      <a:lvl4pPr marL="1200150" indent="-171450" algn="l" defTabSz="685800" rtl="0" eaLnBrk="1" latinLnBrk="0" hangingPunct="1">
         <a:lnSpc>
           <a:spcPct val="90000"/>
         </a:lnSpc>
         <a:spcBef>
-          <a:spcPts val="345"/>
+          <a:spcPts val="375"/>
         </a:spcBef>
         <a:buFont typeface="Arial" panose="020B0604020202020204" pitchFamily="34" charset="0"/>
         <a:buChar char="•"/>
-        <a:defRPr sz="1242" kern="1200">
+        <a:defRPr sz="1350" kern="1200">
           <a:solidFill>
             <a:schemeClr val="tx1"/>
           </a:solidFill>
@@ -3127,16 +3072,16 @@
           <a:cs typeface="+mn-cs"/>
         </a:defRPr>
       </a:lvl4pPr>
-      <a:lvl5pPr marL="1419400" indent="-157711" algn="l" defTabSz="630845" rtl="0" eaLnBrk="1" latinLnBrk="0" hangingPunct="1">
+      <a:lvl5pPr marL="1543050" indent="-171450" algn="l" defTabSz="685800" rtl="0" eaLnBrk="1" latinLnBrk="0" hangingPunct="1">
         <a:lnSpc>
           <a:spcPct val="90000"/>
         </a:lnSpc>
         <a:spcBef>
-          <a:spcPts val="345"/>
+          <a:spcPts val="375"/>
         </a:spcBef>
         <a:buFont typeface="Arial" panose="020B0604020202020204" pitchFamily="34" charset="0"/>
         <a:buChar char="•"/>
-        <a:defRPr sz="1242" kern="1200">
+        <a:defRPr sz="1350" kern="1200">
           <a:solidFill>
             <a:schemeClr val="tx1"/>
           </a:solidFill>
@@ -3145,16 +3090,16 @@
           <a:cs typeface="+mn-cs"/>
         </a:defRPr>
       </a:lvl5pPr>
-      <a:lvl6pPr marL="1734823" indent="-157711" algn="l" defTabSz="630845" rtl="0" eaLnBrk="1" latinLnBrk="0" hangingPunct="1">
+      <a:lvl6pPr marL="1885950" indent="-171450" algn="l" defTabSz="685800" rtl="0" eaLnBrk="1" latinLnBrk="0" hangingPunct="1">
         <a:lnSpc>
           <a:spcPct val="90000"/>
         </a:lnSpc>
         <a:spcBef>
-          <a:spcPts val="345"/>
+          <a:spcPts val="375"/>
         </a:spcBef>
         <a:buFont typeface="Arial" panose="020B0604020202020204" pitchFamily="34" charset="0"/>
         <a:buChar char="•"/>
-        <a:defRPr sz="1242" kern="1200">
+        <a:defRPr sz="1350" kern="1200">
           <a:solidFill>
             <a:schemeClr val="tx1"/>
           </a:solidFill>
@@ -3163,16 +3108,16 @@
           <a:cs typeface="+mn-cs"/>
         </a:defRPr>
       </a:lvl6pPr>
-      <a:lvl7pPr marL="2050245" indent="-157711" algn="l" defTabSz="630845" rtl="0" eaLnBrk="1" latinLnBrk="0" hangingPunct="1">
+      <a:lvl7pPr marL="2228850" indent="-171450" algn="l" defTabSz="685800" rtl="0" eaLnBrk="1" latinLnBrk="0" hangingPunct="1">
         <a:lnSpc>
           <a:spcPct val="90000"/>
         </a:lnSpc>
         <a:spcBef>
-          <a:spcPts val="345"/>
+          <a:spcPts val="375"/>
         </a:spcBef>
         <a:buFont typeface="Arial" panose="020B0604020202020204" pitchFamily="34" charset="0"/>
         <a:buChar char="•"/>
-        <a:defRPr sz="1242" kern="1200">
+        <a:defRPr sz="1350" kern="1200">
           <a:solidFill>
             <a:schemeClr val="tx1"/>
           </a:solidFill>
@@ -3181,16 +3126,16 @@
           <a:cs typeface="+mn-cs"/>
         </a:defRPr>
       </a:lvl7pPr>
-      <a:lvl8pPr marL="2365667" indent="-157711" algn="l" defTabSz="630845" rtl="0" eaLnBrk="1" latinLnBrk="0" hangingPunct="1">
+      <a:lvl8pPr marL="2571750" indent="-171450" algn="l" defTabSz="685800" rtl="0" eaLnBrk="1" latinLnBrk="0" hangingPunct="1">
         <a:lnSpc>
           <a:spcPct val="90000"/>
         </a:lnSpc>
         <a:spcBef>
-          <a:spcPts val="345"/>
+          <a:spcPts val="375"/>
         </a:spcBef>
         <a:buFont typeface="Arial" panose="020B0604020202020204" pitchFamily="34" charset="0"/>
         <a:buChar char="•"/>
-        <a:defRPr sz="1242" kern="1200">
+        <a:defRPr sz="1350" kern="1200">
           <a:solidFill>
             <a:schemeClr val="tx1"/>
           </a:solidFill>
@@ -3199,16 +3144,16 @@
           <a:cs typeface="+mn-cs"/>
         </a:defRPr>
       </a:lvl8pPr>
-      <a:lvl9pPr marL="2681089" indent="-157711" algn="l" defTabSz="630845" rtl="0" eaLnBrk="1" latinLnBrk="0" hangingPunct="1">
+      <a:lvl9pPr marL="2914650" indent="-171450" algn="l" defTabSz="685800" rtl="0" eaLnBrk="1" latinLnBrk="0" hangingPunct="1">
         <a:lnSpc>
           <a:spcPct val="90000"/>
         </a:lnSpc>
         <a:spcBef>
-          <a:spcPts val="345"/>
+          <a:spcPts val="375"/>
         </a:spcBef>
         <a:buFont typeface="Arial" panose="020B0604020202020204" pitchFamily="34" charset="0"/>
         <a:buChar char="•"/>
-        <a:defRPr sz="1242" kern="1200">
+        <a:defRPr sz="1350" kern="1200">
           <a:solidFill>
             <a:schemeClr val="tx1"/>
           </a:solidFill>
@@ -3222,8 +3167,8 @@
       <a:defPPr>
         <a:defRPr lang="en-US"/>
       </a:defPPr>
-      <a:lvl1pPr marL="0" algn="l" defTabSz="630845" rtl="0" eaLnBrk="1" latinLnBrk="0" hangingPunct="1">
-        <a:defRPr sz="1242" kern="1200">
+      <a:lvl1pPr marL="0" algn="l" defTabSz="685800" rtl="0" eaLnBrk="1" latinLnBrk="0" hangingPunct="1">
+        <a:defRPr sz="1350" kern="1200">
           <a:solidFill>
             <a:schemeClr val="tx1"/>
           </a:solidFill>
@@ -3232,8 +3177,8 @@
           <a:cs typeface="+mn-cs"/>
         </a:defRPr>
       </a:lvl1pPr>
-      <a:lvl2pPr marL="315422" algn="l" defTabSz="630845" rtl="0" eaLnBrk="1" latinLnBrk="0" hangingPunct="1">
-        <a:defRPr sz="1242" kern="1200">
+      <a:lvl2pPr marL="342900" algn="l" defTabSz="685800" rtl="0" eaLnBrk="1" latinLnBrk="0" hangingPunct="1">
+        <a:defRPr sz="1350" kern="1200">
           <a:solidFill>
             <a:schemeClr val="tx1"/>
           </a:solidFill>
@@ -3242,8 +3187,8 @@
           <a:cs typeface="+mn-cs"/>
         </a:defRPr>
       </a:lvl2pPr>
-      <a:lvl3pPr marL="630845" algn="l" defTabSz="630845" rtl="0" eaLnBrk="1" latinLnBrk="0" hangingPunct="1">
-        <a:defRPr sz="1242" kern="1200">
+      <a:lvl3pPr marL="685800" algn="l" defTabSz="685800" rtl="0" eaLnBrk="1" latinLnBrk="0" hangingPunct="1">
+        <a:defRPr sz="1350" kern="1200">
           <a:solidFill>
             <a:schemeClr val="tx1"/>
           </a:solidFill>
@@ -3252,8 +3197,8 @@
           <a:cs typeface="+mn-cs"/>
         </a:defRPr>
       </a:lvl3pPr>
-      <a:lvl4pPr marL="946267" algn="l" defTabSz="630845" rtl="0" eaLnBrk="1" latinLnBrk="0" hangingPunct="1">
-        <a:defRPr sz="1242" kern="1200">
+      <a:lvl4pPr marL="1028700" algn="l" defTabSz="685800" rtl="0" eaLnBrk="1" latinLnBrk="0" hangingPunct="1">
+        <a:defRPr sz="1350" kern="1200">
           <a:solidFill>
             <a:schemeClr val="tx1"/>
           </a:solidFill>
@@ -3262,8 +3207,8 @@
           <a:cs typeface="+mn-cs"/>
         </a:defRPr>
       </a:lvl4pPr>
-      <a:lvl5pPr marL="1261689" algn="l" defTabSz="630845" rtl="0" eaLnBrk="1" latinLnBrk="0" hangingPunct="1">
-        <a:defRPr sz="1242" kern="1200">
+      <a:lvl5pPr marL="1371600" algn="l" defTabSz="685800" rtl="0" eaLnBrk="1" latinLnBrk="0" hangingPunct="1">
+        <a:defRPr sz="1350" kern="1200">
           <a:solidFill>
             <a:schemeClr val="tx1"/>
           </a:solidFill>
@@ -3272,8 +3217,8 @@
           <a:cs typeface="+mn-cs"/>
         </a:defRPr>
       </a:lvl5pPr>
-      <a:lvl6pPr marL="1577111" algn="l" defTabSz="630845" rtl="0" eaLnBrk="1" latinLnBrk="0" hangingPunct="1">
-        <a:defRPr sz="1242" kern="1200">
+      <a:lvl6pPr marL="1714500" algn="l" defTabSz="685800" rtl="0" eaLnBrk="1" latinLnBrk="0" hangingPunct="1">
+        <a:defRPr sz="1350" kern="1200">
           <a:solidFill>
             <a:schemeClr val="tx1"/>
           </a:solidFill>
@@ -3282,8 +3227,8 @@
           <a:cs typeface="+mn-cs"/>
         </a:defRPr>
       </a:lvl6pPr>
-      <a:lvl7pPr marL="1892534" algn="l" defTabSz="630845" rtl="0" eaLnBrk="1" latinLnBrk="0" hangingPunct="1">
-        <a:defRPr sz="1242" kern="1200">
+      <a:lvl7pPr marL="2057400" algn="l" defTabSz="685800" rtl="0" eaLnBrk="1" latinLnBrk="0" hangingPunct="1">
+        <a:defRPr sz="1350" kern="1200">
           <a:solidFill>
             <a:schemeClr val="tx1"/>
           </a:solidFill>
@@ -3292,8 +3237,8 @@
           <a:cs typeface="+mn-cs"/>
         </a:defRPr>
       </a:lvl7pPr>
-      <a:lvl8pPr marL="2207956" algn="l" defTabSz="630845" rtl="0" eaLnBrk="1" latinLnBrk="0" hangingPunct="1">
-        <a:defRPr sz="1242" kern="1200">
+      <a:lvl8pPr marL="2400300" algn="l" defTabSz="685800" rtl="0" eaLnBrk="1" latinLnBrk="0" hangingPunct="1">
+        <a:defRPr sz="1350" kern="1200">
           <a:solidFill>
             <a:schemeClr val="tx1"/>
           </a:solidFill>
@@ -3302,8 +3247,8 @@
           <a:cs typeface="+mn-cs"/>
         </a:defRPr>
       </a:lvl8pPr>
-      <a:lvl9pPr marL="2523378" algn="l" defTabSz="630845" rtl="0" eaLnBrk="1" latinLnBrk="0" hangingPunct="1">
-        <a:defRPr sz="1242" kern="1200">
+      <a:lvl9pPr marL="2743200" algn="l" defTabSz="685800" rtl="0" eaLnBrk="1" latinLnBrk="0" hangingPunct="1">
+        <a:defRPr sz="1350" kern="1200">
           <a:solidFill>
             <a:schemeClr val="tx1"/>
           </a:solidFill>
@@ -3336,7 +3281,7 @@
       </p:grpSpPr>
       <p:pic>
         <p:nvPicPr>
-          <p:cNvPr id="5" name="Picture 4"/>
+          <p:cNvPr id="10" name="Picture 9"/>
           <p:cNvPicPr>
             <a:picLocks noChangeAspect="1"/>
           </p:cNvPicPr>
@@ -3360,7 +3305,7 @@
       </p:pic>
       <p:cxnSp>
         <p:nvCxnSpPr>
-          <p:cNvPr id="25" name="Straight Connector 24"/>
+          <p:cNvPr id="11" name="Straight Connector 10"/>
           <p:cNvCxnSpPr/>
           <p:nvPr/>
         </p:nvCxnSpPr>
@@ -3396,7 +3341,7 @@
       </p:cxnSp>
       <p:cxnSp>
         <p:nvCxnSpPr>
-          <p:cNvPr id="18" name="Straight Connector 17"/>
+          <p:cNvPr id="12" name="Straight Connector 11"/>
           <p:cNvCxnSpPr/>
           <p:nvPr/>
         </p:nvCxnSpPr>
@@ -3432,21 +3377,21 @@
       </p:cxnSp>
       <p:graphicFrame>
         <p:nvGraphicFramePr>
-          <p:cNvPr id="19" name="Table 18"/>
+          <p:cNvPr id="13" name="Table 12"/>
           <p:cNvGraphicFramePr>
             <a:graphicFrameLocks noGrp="1"/>
           </p:cNvGraphicFramePr>
           <p:nvPr>
             <p:extLst>
               <p:ext uri="{D42A27DB-BD31-4B8C-83A1-F6EECF244321}">
-                <p14:modId xmlns:p14="http://schemas.microsoft.com/office/powerpoint/2010/main" val="2897109504"/>
+                <p14:modId xmlns:p14="http://schemas.microsoft.com/office/powerpoint/2010/main" val="2080643324"/>
               </p:ext>
             </p:extLst>
           </p:nvPr>
         </p:nvGraphicFramePr>
         <p:xfrm>
           <a:off x="0" y="0"/>
-          <a:ext cx="525805" cy="5761038"/>
+          <a:ext cx="525805" cy="6358964"/>
         </p:xfrm>
         <a:graphic>
           <a:graphicData uri="http://schemas.openxmlformats.org/drawingml/2006/table">
@@ -3458,12 +3403,12 @@
                 <a:gridCol w="525805">
                   <a:extLst>
                     <a:ext uri="{9D8B030D-6E8A-4147-A177-3AD203B41FA5}">
-                      <a16:colId xmlns:a16="http://schemas.microsoft.com/office/drawing/2014/main" val="472818947"/>
+                      <a16:colId xmlns:a16="http://schemas.microsoft.com/office/drawing/2014/main" xmlns="" val="472818947"/>
                     </a:ext>
                   </a:extLst>
                 </a:gridCol>
               </a:tblGrid>
-              <a:tr h="2868560">
+              <a:tr h="3884023">
                 <a:tc>
                   <a:txBody>
                     <a:bodyPr/>
@@ -3496,44 +3441,65 @@
                 </a:tc>
                 <a:extLst>
                   <a:ext uri="{0D108BD9-81ED-4DB2-BD59-A6C34878D82A}">
-                    <a16:rowId xmlns:a16="http://schemas.microsoft.com/office/drawing/2014/main" val="1333213716"/>
+                    <a16:rowId xmlns:a16="http://schemas.microsoft.com/office/drawing/2014/main" xmlns="" val="1333213716"/>
                   </a:ext>
                 </a:extLst>
               </a:tr>
-              <a:tr h="2892478">
+              <a:tr h="2474941">
                 <a:tc>
                   <a:txBody>
                     <a:bodyPr/>
                     <a:lstStyle/>
                     <a:p>
                       <a:pPr algn="ctr"/>
-                      <a:r>
-                        <a:rPr lang="en-US" sz="1900" b="0" cap="none" spc="0" dirty="0">
-                          <a:ln w="0"/>
-                          <a:solidFill>
-                            <a:schemeClr val="tx1"/>
-                          </a:solidFill>
-                          <a:effectLst>
-                            <a:outerShdw blurRad="38100" dist="19050" dir="2700000" algn="tl" rotWithShape="0">
-                              <a:schemeClr val="dk1">
-                                <a:alpha val="40000"/>
-                              </a:schemeClr>
-                            </a:outerShdw>
-                          </a:effectLst>
-                        </a:rPr>
-                        <a:t>Transfer Region 1</a:t>
-                      </a:r>
+                      <a:endParaRPr lang="en-US" sz="1900" b="0" cap="none" spc="0" dirty="0" smtClean="0">
+                        <a:ln w="0"/>
+                        <a:noFill/>
+                        <a:effectLst>
+                          <a:outerShdw blurRad="38100" dist="19050" dir="2700000" algn="tl" rotWithShape="0">
+                            <a:schemeClr val="dk1">
+                              <a:alpha val="40000"/>
+                            </a:schemeClr>
+                          </a:outerShdw>
+                        </a:effectLst>
+                      </a:endParaRPr>
+                    </a:p>
+                    <a:p>
+                      <a:pPr algn="ctr"/>
+                      <a:endParaRPr lang="en-US" sz="1900" b="0" cap="none" spc="0" dirty="0" smtClean="0">
+                        <a:ln w="0"/>
+                        <a:noFill/>
+                        <a:effectLst>
+                          <a:outerShdw blurRad="38100" dist="19050" dir="2700000" algn="tl" rotWithShape="0">
+                            <a:schemeClr val="dk1">
+                              <a:alpha val="40000"/>
+                            </a:schemeClr>
+                          </a:outerShdw>
+                        </a:effectLst>
+                      </a:endParaRPr>
+                    </a:p>
+                    <a:p>
+                      <a:pPr algn="ctr"/>
+                      <a:endParaRPr lang="en-US" sz="1900" b="0" cap="none" spc="0" dirty="0">
+                        <a:ln w="0"/>
+                        <a:noFill/>
+                        <a:effectLst>
+                          <a:outerShdw blurRad="38100" dist="19050" dir="2700000" algn="tl" rotWithShape="0">
+                            <a:schemeClr val="dk1">
+                              <a:alpha val="40000"/>
+                            </a:schemeClr>
+                          </a:outerShdw>
+                        </a:effectLst>
+                      </a:endParaRPr>
                     </a:p>
                   </a:txBody>
                   <a:tcPr marL="95665" marR="95665" marT="47833" marB="47833" vert="vert270" anchor="b">
-                    <a:solidFill>
-                      <a:srgbClr val="DEEBF7"/>
-                    </a:solidFill>
+                    <a:noFill/>
                   </a:tcPr>
                 </a:tc>
                 <a:extLst>
                   <a:ext uri="{0D108BD9-81ED-4DB2-BD59-A6C34878D82A}">
-                    <a16:rowId xmlns:a16="http://schemas.microsoft.com/office/drawing/2014/main" val="4131164901"/>
+                    <a16:rowId xmlns:a16="http://schemas.microsoft.com/office/drawing/2014/main" xmlns="" val="4131164901"/>
                   </a:ext>
                 </a:extLst>
               </a:tr>
@@ -3543,7 +3509,7 @@
       </p:graphicFrame>
       <p:sp>
         <p:nvSpPr>
-          <p:cNvPr id="9" name="Oval 8"/>
+          <p:cNvPr id="14" name="Oval 13"/>
           <p:cNvSpPr/>
           <p:nvPr/>
         </p:nvSpPr>
@@ -3590,7 +3556,7 @@
       </p:sp>
       <p:sp>
         <p:nvSpPr>
-          <p:cNvPr id="16" name="Oval 15"/>
+          <p:cNvPr id="15" name="Oval 14"/>
           <p:cNvSpPr/>
           <p:nvPr/>
         </p:nvSpPr>
@@ -3635,6 +3601,140 @@
           </a:p>
         </p:txBody>
       </p:sp>
+      <p:graphicFrame>
+        <p:nvGraphicFramePr>
+          <p:cNvPr id="17" name="Table 16"/>
+          <p:cNvGraphicFramePr>
+            <a:graphicFrameLocks noGrp="1"/>
+          </p:cNvGraphicFramePr>
+          <p:nvPr>
+            <p:extLst>
+              <p:ext uri="{D42A27DB-BD31-4B8C-83A1-F6EECF244321}">
+                <p14:modId xmlns:p14="http://schemas.microsoft.com/office/powerpoint/2010/main" val="1896122367"/>
+              </p:ext>
+            </p:extLst>
+          </p:nvPr>
+        </p:nvGraphicFramePr>
+        <p:xfrm>
+          <a:off x="6308726" y="-80806"/>
+          <a:ext cx="525805" cy="5826034"/>
+        </p:xfrm>
+        <a:graphic>
+          <a:graphicData uri="http://schemas.openxmlformats.org/drawingml/2006/table">
+            <a:tbl>
+              <a:tblPr firstRow="1" bandRow="1">
+                <a:tableStyleId>{5C22544A-7EE6-4342-B048-85BDC9FD1C3A}</a:tableStyleId>
+              </a:tblPr>
+              <a:tblGrid>
+                <a:gridCol w="525805">
+                  <a:extLst>
+                    <a:ext uri="{9D8B030D-6E8A-4147-A177-3AD203B41FA5}">
+                      <a16:colId xmlns:a16="http://schemas.microsoft.com/office/drawing/2014/main" xmlns="" val="472818947"/>
+                    </a:ext>
+                  </a:extLst>
+                </a:gridCol>
+              </a:tblGrid>
+              <a:tr h="1946538">
+                <a:tc>
+                  <a:txBody>
+                    <a:bodyPr/>
+                    <a:lstStyle/>
+                    <a:p>
+                      <a:pPr algn="ctr"/>
+                      <a:endParaRPr lang="en-US" sz="1900" b="0" cap="none" spc="0" dirty="0" smtClean="0">
+                        <a:ln w="0"/>
+                        <a:noFill/>
+                        <a:effectLst>
+                          <a:outerShdw blurRad="38100" dist="19050" dir="2700000" algn="tl" rotWithShape="0">
+                            <a:schemeClr val="dk1">
+                              <a:alpha val="40000"/>
+                            </a:schemeClr>
+                          </a:outerShdw>
+                        </a:effectLst>
+                      </a:endParaRPr>
+                    </a:p>
+                    <a:p>
+                      <a:pPr algn="ctr"/>
+                      <a:endParaRPr lang="en-US" sz="1900" b="0" cap="none" spc="0" dirty="0" smtClean="0">
+                        <a:ln w="0"/>
+                        <a:noFill/>
+                        <a:effectLst>
+                          <a:outerShdw blurRad="38100" dist="19050" dir="2700000" algn="tl" rotWithShape="0">
+                            <a:schemeClr val="dk1">
+                              <a:alpha val="40000"/>
+                            </a:schemeClr>
+                          </a:outerShdw>
+                        </a:effectLst>
+                      </a:endParaRPr>
+                    </a:p>
+                    <a:p>
+                      <a:pPr algn="ctr"/>
+                      <a:endParaRPr lang="en-US" sz="1900" b="0" cap="none" spc="0" dirty="0">
+                        <a:ln w="0"/>
+                        <a:noFill/>
+                        <a:effectLst>
+                          <a:outerShdw blurRad="38100" dist="19050" dir="2700000" algn="tl" rotWithShape="0">
+                            <a:schemeClr val="dk1">
+                              <a:alpha val="40000"/>
+                            </a:schemeClr>
+                          </a:outerShdw>
+                        </a:effectLst>
+                      </a:endParaRPr>
+                    </a:p>
+                  </a:txBody>
+                  <a:tcPr marL="95665" marR="95665" marT="47833" marB="47833" vert="vert" anchor="b">
+                    <a:solidFill>
+                      <a:schemeClr val="bg1"/>
+                    </a:solidFill>
+                  </a:tcPr>
+                </a:tc>
+                <a:extLst>
+                  <a:ext uri="{0D108BD9-81ED-4DB2-BD59-A6C34878D82A}">
+                    <a16:rowId xmlns:a16="http://schemas.microsoft.com/office/drawing/2014/main" xmlns="" val="1333213716"/>
+                  </a:ext>
+                </a:extLst>
+              </a:tr>
+              <a:tr h="3879496">
+                <a:tc>
+                  <a:txBody>
+                    <a:bodyPr/>
+                    <a:lstStyle/>
+                    <a:p>
+                      <a:pPr algn="ctr"/>
+                      <a:r>
+                        <a:rPr lang="en-US" sz="1900" b="0" cap="none" spc="0" dirty="0">
+                          <a:ln w="0"/>
+                          <a:solidFill>
+                            <a:schemeClr val="tx1"/>
+                          </a:solidFill>
+                          <a:effectLst>
+                            <a:outerShdw blurRad="38100" dist="19050" dir="2700000" algn="tl" rotWithShape="0">
+                              <a:schemeClr val="dk1">
+                                <a:alpha val="40000"/>
+                              </a:schemeClr>
+                            </a:outerShdw>
+                          </a:effectLst>
+                        </a:rPr>
+                        <a:t>Transfer Region 1</a:t>
+                      </a:r>
+                    </a:p>
+                  </a:txBody>
+                  <a:tcPr marL="95665" marR="95665" marT="47833" marB="47833" vert="vert" anchor="b">
+                    <a:solidFill>
+                      <a:srgbClr val="DEEBF7"/>
+                    </a:solidFill>
+                  </a:tcPr>
+                </a:tc>
+                <a:extLst>
+                  <a:ext uri="{0D108BD9-81ED-4DB2-BD59-A6C34878D82A}">
+                    <a16:rowId xmlns:a16="http://schemas.microsoft.com/office/drawing/2014/main" xmlns="" val="4131164901"/>
+                  </a:ext>
+                </a:extLst>
+              </a:tr>
+            </a:tbl>
+          </a:graphicData>
+        </a:graphic>
+      </p:graphicFrame>
     </p:spTree>
     <p:extLst>
       <p:ext uri="{BB962C8B-B14F-4D97-AF65-F5344CB8AC3E}">
@@ -3665,7 +3765,7 @@
         <a:srgbClr val="E7E6E6"/>
       </a:lt2>
       <a:accent1>
-        <a:srgbClr val="5B9BD5"/>
+        <a:srgbClr val="4472C4"/>
       </a:accent1>
       <a:accent2>
         <a:srgbClr val="ED7D31"/>
@@ -3677,7 +3777,7 @@
         <a:srgbClr val="FFC000"/>
       </a:accent4>
       <a:accent5>
-        <a:srgbClr val="4472C4"/>
+        <a:srgbClr val="5B9BD5"/>
       </a:accent5>
       <a:accent6>
         <a:srgbClr val="70AD47"/>
